--- a/PPT_CA1/Data Management - CA1 - AML WLM Ethics - Student Ciaran Finnegan d21124026 v1-4 240222.pptx
+++ b/PPT_CA1/Data Management - CA1 - AML WLM Ethics - Student Ciaran Finnegan d21124026 v1-4 240222.pptx
@@ -814,6 +814,909 @@
     </a:lvl9pPr>
   </p:notesStyle>
 </p:notesMaster>
+</file>
+
+<file path=ppt/notesSlides/notesSlide1.xml><?xml version="1.0" encoding="utf-8"?>
+<p:notes xmlns:a="http://schemas.openxmlformats.org/drawingml/2006/main" xmlns:r="http://schemas.openxmlformats.org/officeDocument/2006/relationships" xmlns:p="http://schemas.openxmlformats.org/presentationml/2006/main">
+  <p:cSld>
+    <p:spTree>
+      <p:nvGrpSpPr>
+        <p:cNvPr id="1" name=""/>
+        <p:cNvGrpSpPr/>
+        <p:nvPr/>
+      </p:nvGrpSpPr>
+      <p:grpSpPr>
+        <a:xfrm>
+          <a:off x="0" y="0"/>
+          <a:ext cx="0" cy="0"/>
+          <a:chOff x="0" y="0"/>
+          <a:chExt cx="0" cy="0"/>
+        </a:xfrm>
+      </p:grpSpPr>
+      <p:sp>
+        <p:nvSpPr>
+          <p:cNvPr id="2" name="Slide Image Placeholder 1"/>
+          <p:cNvSpPr>
+            <a:spLocks noGrp="1" noRot="1" noChangeAspect="1"/>
+          </p:cNvSpPr>
+          <p:nvPr>
+            <p:ph type="sldImg"/>
+          </p:nvPr>
+        </p:nvSpPr>
+        <p:spPr/>
+      </p:sp>
+      <p:sp>
+        <p:nvSpPr>
+          <p:cNvPr id="3" name="Notes Placeholder 2"/>
+          <p:cNvSpPr>
+            <a:spLocks noGrp="1"/>
+          </p:cNvSpPr>
+          <p:nvPr>
+            <p:ph type="body" idx="1"/>
+          </p:nvPr>
+        </p:nvSpPr>
+        <p:spPr/>
+        <p:txBody>
+          <a:bodyPr/>
+          <a:lstStyle/>
+          <a:p>
+            <a:pPr marL="171450" indent="-171450">
+              <a:buFont typeface="Arial" panose="020B0604020202020204" pitchFamily="34" charset="0"/>
+              <a:buChar char="•"/>
+            </a:pPr>
+            <a:r>
+              <a:rPr lang="en-IE" sz="800" dirty="0"/>
+              <a:t>Good example, as it covers a number of the challenges with name matching – which is more complex than it seems.</a:t>
+            </a:r>
+          </a:p>
+          <a:p>
+            <a:pPr marL="171450" indent="-171450">
+              <a:buFont typeface="Arial" panose="020B0604020202020204" pitchFamily="34" charset="0"/>
+              <a:buChar char="•"/>
+            </a:pPr>
+            <a:r>
+              <a:rPr lang="en-IE" sz="800" dirty="0"/>
+              <a:t>Border control example, but very relevant for commercial situations.</a:t>
+            </a:r>
+          </a:p>
+          <a:p>
+            <a:pPr marL="171450" indent="-171450">
+              <a:buFont typeface="Arial" panose="020B0604020202020204" pitchFamily="34" charset="0"/>
+              <a:buChar char="•"/>
+            </a:pPr>
+            <a:r>
+              <a:rPr lang="en-IE" sz="800" dirty="0"/>
+              <a:t>It is legitimate for any Irish person to transact business with their Irish name, even if it does not appear on their passport.</a:t>
+            </a:r>
+          </a:p>
+          <a:p>
+            <a:pPr marL="171450" indent="-171450">
+              <a:buFont typeface="Arial" panose="020B0604020202020204" pitchFamily="34" charset="0"/>
+              <a:buChar char="•"/>
+            </a:pPr>
+            <a:r>
+              <a:rPr lang="en-IE" sz="800" dirty="0"/>
+              <a:t>GDPR recognises the legitimacy of ethnic variations in names. Banks cannot insist on ‘Anglicising’ a person’s name in order to make transactions.</a:t>
+            </a:r>
+          </a:p>
+          <a:p>
+            <a:pPr marL="171450" indent="-171450">
+              <a:buFont typeface="Arial" panose="020B0604020202020204" pitchFamily="34" charset="0"/>
+              <a:buChar char="•"/>
+            </a:pPr>
+            <a:r>
+              <a:rPr lang="en-IE" sz="800" dirty="0"/>
+              <a:t>Just one example of how names can be hard to track in a FI system against a Watch List.</a:t>
+            </a:r>
+          </a:p>
+        </p:txBody>
+      </p:sp>
+      <p:sp>
+        <p:nvSpPr>
+          <p:cNvPr id="4" name="Slide Number Placeholder 3"/>
+          <p:cNvSpPr>
+            <a:spLocks noGrp="1"/>
+          </p:cNvSpPr>
+          <p:nvPr>
+            <p:ph type="sldNum" sz="quarter" idx="5"/>
+          </p:nvPr>
+        </p:nvSpPr>
+        <p:spPr/>
+        <p:txBody>
+          <a:bodyPr/>
+          <a:lstStyle/>
+          <a:p>
+            <a:fld id="{1251B4CB-6C3D-41AB-9B53-EA6E6087EAE6}" type="slidenum">
+              <a:rPr lang="ru-RU" altLang="en-US" smtClean="0"/>
+              <a:pPr/>
+              <a:t>4</a:t>
+            </a:fld>
+            <a:endParaRPr lang="ru-RU" altLang="en-US"/>
+          </a:p>
+        </p:txBody>
+      </p:sp>
+    </p:spTree>
+    <p:extLst>
+      <p:ext uri="{BB962C8B-B14F-4D97-AF65-F5344CB8AC3E}">
+        <p14:creationId xmlns:p14="http://schemas.microsoft.com/office/powerpoint/2010/main" val="3107100283"/>
+      </p:ext>
+    </p:extLst>
+  </p:cSld>
+  <p:clrMapOvr>
+    <a:masterClrMapping/>
+  </p:clrMapOvr>
+</p:notes>
+</file>
+
+<file path=ppt/notesSlides/notesSlide2.xml><?xml version="1.0" encoding="utf-8"?>
+<p:notes xmlns:a="http://schemas.openxmlformats.org/drawingml/2006/main" xmlns:r="http://schemas.openxmlformats.org/officeDocument/2006/relationships" xmlns:p="http://schemas.openxmlformats.org/presentationml/2006/main">
+  <p:cSld>
+    <p:spTree>
+      <p:nvGrpSpPr>
+        <p:cNvPr id="1" name=""/>
+        <p:cNvGrpSpPr/>
+        <p:nvPr/>
+      </p:nvGrpSpPr>
+      <p:grpSpPr>
+        <a:xfrm>
+          <a:off x="0" y="0"/>
+          <a:ext cx="0" cy="0"/>
+          <a:chOff x="0" y="0"/>
+          <a:chExt cx="0" cy="0"/>
+        </a:xfrm>
+      </p:grpSpPr>
+      <p:sp>
+        <p:nvSpPr>
+          <p:cNvPr id="2" name="Slide Image Placeholder 1"/>
+          <p:cNvSpPr>
+            <a:spLocks noGrp="1" noRot="1" noChangeAspect="1"/>
+          </p:cNvSpPr>
+          <p:nvPr>
+            <p:ph type="sldImg"/>
+          </p:nvPr>
+        </p:nvSpPr>
+        <p:spPr/>
+      </p:sp>
+      <p:sp>
+        <p:nvSpPr>
+          <p:cNvPr id="3" name="Notes Placeholder 2"/>
+          <p:cNvSpPr>
+            <a:spLocks noGrp="1"/>
+          </p:cNvSpPr>
+          <p:nvPr>
+            <p:ph type="body" idx="1"/>
+          </p:nvPr>
+        </p:nvSpPr>
+        <p:spPr/>
+        <p:txBody>
+          <a:bodyPr/>
+          <a:lstStyle/>
+          <a:p>
+            <a:pPr marL="0" indent="0">
+              <a:lnSpc>
+                <a:spcPct val="90000"/>
+              </a:lnSpc>
+              <a:buNone/>
+            </a:pPr>
+            <a:r>
+              <a:rPr lang="en-IE" altLang="en-US" sz="1200" dirty="0">
+                <a:ea typeface="굴림" charset="-127"/>
+              </a:rPr>
+              <a:t>Taking GDPR regulations as an example, inclusion of an individual on a Watch List is, by definition, the recording of special category data. </a:t>
+            </a:r>
+          </a:p>
+          <a:p>
+            <a:pPr marL="0" indent="0">
+              <a:lnSpc>
+                <a:spcPct val="90000"/>
+              </a:lnSpc>
+              <a:buNone/>
+            </a:pPr>
+            <a:endParaRPr lang="en-IE" altLang="en-US" sz="1200" dirty="0">
+              <a:ea typeface="굴림" charset="-127"/>
+            </a:endParaRPr>
+          </a:p>
+          <a:p>
+            <a:pPr marL="0" indent="0">
+              <a:lnSpc>
+                <a:spcPct val="90000"/>
+              </a:lnSpc>
+              <a:buNone/>
+            </a:pPr>
+            <a:r>
+              <a:rPr lang="en-IE" altLang="en-US" sz="1200" dirty="0">
+                <a:ea typeface="굴림" charset="-127"/>
+              </a:rPr>
+              <a:t>This is permitted by international law and controlled by a number of governmental (and non-governmental authorities). For example, Article 6 of GDPR legislation includes the basis for collection and processing personal data for AML purposes.</a:t>
+            </a:r>
+          </a:p>
+          <a:p>
+            <a:pPr marL="0" indent="0">
+              <a:lnSpc>
+                <a:spcPct val="90000"/>
+              </a:lnSpc>
+              <a:buNone/>
+            </a:pPr>
+            <a:endParaRPr lang="en-IE" altLang="en-US" sz="1200" dirty="0">
+              <a:ea typeface="굴림" charset="-127"/>
+            </a:endParaRPr>
+          </a:p>
+          <a:p>
+            <a:pPr marL="0" indent="0">
+              <a:lnSpc>
+                <a:spcPct val="90000"/>
+              </a:lnSpc>
+              <a:buNone/>
+            </a:pPr>
+            <a:r>
+              <a:rPr lang="en-IE" altLang="en-US" sz="1200" dirty="0">
+                <a:ea typeface="굴림" charset="-127"/>
+              </a:rPr>
+              <a:t>However, this generates data management challenges, such as those described in the following set of slides.</a:t>
+            </a:r>
+          </a:p>
+          <a:p>
+            <a:pPr marL="0" indent="0">
+              <a:lnSpc>
+                <a:spcPct val="90000"/>
+              </a:lnSpc>
+              <a:buNone/>
+            </a:pPr>
+            <a:endParaRPr lang="en-IE" altLang="en-US" sz="1200" dirty="0">
+              <a:ea typeface="굴림" charset="-127"/>
+            </a:endParaRPr>
+          </a:p>
+          <a:p>
+            <a:pPr marL="0" indent="0">
+              <a:lnSpc>
+                <a:spcPct val="90000"/>
+              </a:lnSpc>
+              <a:buNone/>
+            </a:pPr>
+            <a:r>
+              <a:rPr lang="en-IE" altLang="en-US" sz="1200" dirty="0">
+                <a:ea typeface="굴림" charset="-127"/>
+              </a:rPr>
+              <a:t>One might argue that the restrictions imposed by AML/WLM processes and systems are intended to regulate global financial markets with a deontological approach that seeks to apply a fair and ethical policy on all businesses and consumers.</a:t>
+            </a:r>
+          </a:p>
+          <a:p>
+            <a:pPr marL="0" indent="0">
+              <a:lnSpc>
+                <a:spcPct val="90000"/>
+              </a:lnSpc>
+              <a:buNone/>
+            </a:pPr>
+            <a:endParaRPr lang="en-IE" altLang="en-US" sz="1200" dirty="0">
+              <a:ea typeface="굴림" charset="-127"/>
+            </a:endParaRPr>
+          </a:p>
+          <a:p>
+            <a:pPr marL="0" indent="0">
+              <a:lnSpc>
+                <a:spcPct val="90000"/>
+              </a:lnSpc>
+              <a:buNone/>
+            </a:pPr>
+            <a:r>
+              <a:rPr lang="en-IE" altLang="en-US" sz="1200" dirty="0">
+                <a:ea typeface="굴림" charset="-127"/>
+              </a:rPr>
+              <a:t>Certain P.E.P.s may question the motive of their inclusion on Watch Lists and declare that such ethics are related to the current dominant political philosophy of the day.</a:t>
+            </a:r>
+          </a:p>
+          <a:p>
+            <a:endParaRPr lang="en-IE" dirty="0"/>
+          </a:p>
+        </p:txBody>
+      </p:sp>
+      <p:sp>
+        <p:nvSpPr>
+          <p:cNvPr id="4" name="Slide Number Placeholder 3"/>
+          <p:cNvSpPr>
+            <a:spLocks noGrp="1"/>
+          </p:cNvSpPr>
+          <p:nvPr>
+            <p:ph type="sldNum" sz="quarter" idx="5"/>
+          </p:nvPr>
+        </p:nvSpPr>
+        <p:spPr/>
+        <p:txBody>
+          <a:bodyPr/>
+          <a:lstStyle/>
+          <a:p>
+            <a:fld id="{1251B4CB-6C3D-41AB-9B53-EA6E6087EAE6}" type="slidenum">
+              <a:rPr lang="ru-RU" altLang="en-US" smtClean="0"/>
+              <a:pPr/>
+              <a:t>5</a:t>
+            </a:fld>
+            <a:endParaRPr lang="ru-RU" altLang="en-US"/>
+          </a:p>
+        </p:txBody>
+      </p:sp>
+    </p:spTree>
+    <p:extLst>
+      <p:ext uri="{BB962C8B-B14F-4D97-AF65-F5344CB8AC3E}">
+        <p14:creationId xmlns:p14="http://schemas.microsoft.com/office/powerpoint/2010/main" val="2914635384"/>
+      </p:ext>
+    </p:extLst>
+  </p:cSld>
+  <p:clrMapOvr>
+    <a:masterClrMapping/>
+  </p:clrMapOvr>
+</p:notes>
+</file>
+
+<file path=ppt/notesSlides/notesSlide3.xml><?xml version="1.0" encoding="utf-8"?>
+<p:notes xmlns:a="http://schemas.openxmlformats.org/drawingml/2006/main" xmlns:r="http://schemas.openxmlformats.org/officeDocument/2006/relationships" xmlns:p="http://schemas.openxmlformats.org/presentationml/2006/main">
+  <p:cSld>
+    <p:spTree>
+      <p:nvGrpSpPr>
+        <p:cNvPr id="1" name=""/>
+        <p:cNvGrpSpPr/>
+        <p:nvPr/>
+      </p:nvGrpSpPr>
+      <p:grpSpPr>
+        <a:xfrm>
+          <a:off x="0" y="0"/>
+          <a:ext cx="0" cy="0"/>
+          <a:chOff x="0" y="0"/>
+          <a:chExt cx="0" cy="0"/>
+        </a:xfrm>
+      </p:grpSpPr>
+      <p:sp>
+        <p:nvSpPr>
+          <p:cNvPr id="2" name="Slide Image Placeholder 1"/>
+          <p:cNvSpPr>
+            <a:spLocks noGrp="1" noRot="1" noChangeAspect="1"/>
+          </p:cNvSpPr>
+          <p:nvPr>
+            <p:ph type="sldImg"/>
+          </p:nvPr>
+        </p:nvSpPr>
+        <p:spPr/>
+      </p:sp>
+      <p:sp>
+        <p:nvSpPr>
+          <p:cNvPr id="3" name="Notes Placeholder 2"/>
+          <p:cNvSpPr>
+            <a:spLocks noGrp="1"/>
+          </p:cNvSpPr>
+          <p:nvPr>
+            <p:ph type="body" idx="1"/>
+          </p:nvPr>
+        </p:nvSpPr>
+        <p:spPr/>
+        <p:txBody>
+          <a:bodyPr/>
+          <a:lstStyle/>
+          <a:p>
+            <a:pPr lvl="1">
+              <a:lnSpc>
+                <a:spcPct val="90000"/>
+              </a:lnSpc>
+            </a:pPr>
+            <a:r>
+              <a:rPr lang="en-IE" altLang="en-US" sz="1600" dirty="0">
+                <a:ea typeface="굴림" charset="-127"/>
+              </a:rPr>
+              <a:t>It is good for society as a whole to prevent FIs from facilitating ‘immoral’ business transactions, and to punish those institutions that deliberately, or carelessly, allow such practice. </a:t>
+            </a:r>
+          </a:p>
+          <a:p>
+            <a:pPr lvl="1">
+              <a:lnSpc>
+                <a:spcPct val="90000"/>
+              </a:lnSpc>
+            </a:pPr>
+            <a:endParaRPr lang="en-IE" altLang="en-US" sz="1600" dirty="0">
+              <a:ea typeface="굴림" charset="-127"/>
+            </a:endParaRPr>
+          </a:p>
+          <a:p>
+            <a:pPr lvl="1">
+              <a:lnSpc>
+                <a:spcPct val="90000"/>
+              </a:lnSpc>
+            </a:pPr>
+            <a:r>
+              <a:rPr lang="en-IE" altLang="en-US" sz="1600" dirty="0">
+                <a:ea typeface="굴림" charset="-127"/>
+              </a:rPr>
+              <a:t>Name matching is not always an exact science (see prior example). However, companies must constantly ensure that ‘Fuzzy’ matching algorithms minimise both false positive and false negative matches. </a:t>
+            </a:r>
+            <a:r>
+              <a:rPr lang="en-IE" altLang="en-US" sz="1200" i="1" dirty="0">
+                <a:ea typeface="굴림" charset="-127"/>
+              </a:rPr>
+              <a:t>(Respect those who are justly innocent, do not fail to capture the guilty). </a:t>
+            </a:r>
+          </a:p>
+          <a:p>
+            <a:pPr lvl="1">
+              <a:lnSpc>
+                <a:spcPct val="90000"/>
+              </a:lnSpc>
+            </a:pPr>
+            <a:endParaRPr lang="en-IE" altLang="en-US" sz="1600" dirty="0">
+              <a:ea typeface="굴림" charset="-127"/>
+            </a:endParaRPr>
+          </a:p>
+          <a:p>
+            <a:pPr lvl="1">
+              <a:lnSpc>
+                <a:spcPct val="90000"/>
+              </a:lnSpc>
+            </a:pPr>
+            <a:r>
+              <a:rPr lang="en-IE" altLang="en-US" sz="1600" dirty="0">
+                <a:ea typeface="굴림" charset="-127"/>
+              </a:rPr>
+              <a:t>FIs must implement decisions based on </a:t>
+            </a:r>
+            <a:r>
+              <a:rPr lang="en-IE" altLang="en-US" sz="1600" b="1" dirty="0">
+                <a:ea typeface="굴림" charset="-127"/>
+              </a:rPr>
+              <a:t>external</a:t>
+            </a:r>
+            <a:r>
+              <a:rPr lang="en-IE" altLang="en-US" sz="1600" dirty="0">
+                <a:ea typeface="굴림" charset="-127"/>
+              </a:rPr>
+              <a:t> Watch Lists despite not being the arbiters of who/why an individual is added. Nation states or organisations can add entries based solely on ‘suspicion’ or add PEP entries based on changes in regional politics.</a:t>
+            </a:r>
+          </a:p>
+          <a:p>
+            <a:pPr lvl="1">
+              <a:lnSpc>
+                <a:spcPct val="90000"/>
+              </a:lnSpc>
+            </a:pPr>
+            <a:endParaRPr lang="en-IE" altLang="en-US" sz="1600" dirty="0">
+              <a:ea typeface="굴림" charset="-127"/>
+            </a:endParaRPr>
+          </a:p>
+          <a:p>
+            <a:pPr lvl="1">
+              <a:lnSpc>
+                <a:spcPct val="90000"/>
+              </a:lnSpc>
+            </a:pPr>
+            <a:r>
+              <a:rPr lang="en-IE" altLang="en-US" sz="1600" dirty="0">
+                <a:ea typeface="굴림" charset="-127"/>
+              </a:rPr>
+              <a:t>Many FIs also use </a:t>
+            </a:r>
+            <a:r>
+              <a:rPr lang="en-IE" altLang="en-US" sz="1600" b="1" dirty="0">
+                <a:ea typeface="굴림" charset="-127"/>
+              </a:rPr>
+              <a:t>internal</a:t>
+            </a:r>
+            <a:r>
+              <a:rPr lang="en-IE" altLang="en-US" sz="1600" dirty="0">
+                <a:ea typeface="굴림" charset="-127"/>
+              </a:rPr>
+              <a:t> Watch Lists. Domestic legislation usually demands that these lists must be shown to be free of any local bias. </a:t>
+            </a:r>
+            <a:r>
+              <a:rPr lang="en-IE" altLang="en-US" sz="1200" i="1" dirty="0">
+                <a:ea typeface="굴림" charset="-127"/>
+              </a:rPr>
+              <a:t>(The term ‘Black List’ is occasionally used by FIs but for social and ethical reasons there is strong push to remove this type of language from business discourse).</a:t>
+            </a:r>
+          </a:p>
+          <a:p>
+            <a:pPr>
+              <a:lnSpc>
+                <a:spcPct val="90000"/>
+              </a:lnSpc>
+            </a:pPr>
+            <a:endParaRPr lang="en-IE" altLang="en-US" sz="1800" dirty="0">
+              <a:ea typeface="굴림" charset="-127"/>
+            </a:endParaRPr>
+          </a:p>
+          <a:p>
+            <a:endParaRPr lang="en-IE" dirty="0"/>
+          </a:p>
+        </p:txBody>
+      </p:sp>
+      <p:sp>
+        <p:nvSpPr>
+          <p:cNvPr id="4" name="Slide Number Placeholder 3"/>
+          <p:cNvSpPr>
+            <a:spLocks noGrp="1"/>
+          </p:cNvSpPr>
+          <p:nvPr>
+            <p:ph type="sldNum" sz="quarter" idx="5"/>
+          </p:nvPr>
+        </p:nvSpPr>
+        <p:spPr/>
+        <p:txBody>
+          <a:bodyPr/>
+          <a:lstStyle/>
+          <a:p>
+            <a:fld id="{1251B4CB-6C3D-41AB-9B53-EA6E6087EAE6}" type="slidenum">
+              <a:rPr lang="ru-RU" altLang="en-US" smtClean="0"/>
+              <a:pPr/>
+              <a:t>6</a:t>
+            </a:fld>
+            <a:endParaRPr lang="ru-RU" altLang="en-US"/>
+          </a:p>
+        </p:txBody>
+      </p:sp>
+    </p:spTree>
+    <p:extLst>
+      <p:ext uri="{BB962C8B-B14F-4D97-AF65-F5344CB8AC3E}">
+        <p14:creationId xmlns:p14="http://schemas.microsoft.com/office/powerpoint/2010/main" val="3924538291"/>
+      </p:ext>
+    </p:extLst>
+  </p:cSld>
+  <p:clrMapOvr>
+    <a:masterClrMapping/>
+  </p:clrMapOvr>
+</p:notes>
+</file>
+
+<file path=ppt/notesSlides/notesSlide4.xml><?xml version="1.0" encoding="utf-8"?>
+<p:notes xmlns:a="http://schemas.openxmlformats.org/drawingml/2006/main" xmlns:r="http://schemas.openxmlformats.org/officeDocument/2006/relationships" xmlns:p="http://schemas.openxmlformats.org/presentationml/2006/main">
+  <p:cSld>
+    <p:spTree>
+      <p:nvGrpSpPr>
+        <p:cNvPr id="1" name=""/>
+        <p:cNvGrpSpPr/>
+        <p:nvPr/>
+      </p:nvGrpSpPr>
+      <p:grpSpPr>
+        <a:xfrm>
+          <a:off x="0" y="0"/>
+          <a:ext cx="0" cy="0"/>
+          <a:chOff x="0" y="0"/>
+          <a:chExt cx="0" cy="0"/>
+        </a:xfrm>
+      </p:grpSpPr>
+      <p:sp>
+        <p:nvSpPr>
+          <p:cNvPr id="2" name="Slide Image Placeholder 1"/>
+          <p:cNvSpPr>
+            <a:spLocks noGrp="1" noRot="1" noChangeAspect="1"/>
+          </p:cNvSpPr>
+          <p:nvPr>
+            <p:ph type="sldImg"/>
+          </p:nvPr>
+        </p:nvSpPr>
+        <p:spPr/>
+      </p:sp>
+      <p:sp>
+        <p:nvSpPr>
+          <p:cNvPr id="3" name="Notes Placeholder 2"/>
+          <p:cNvSpPr>
+            <a:spLocks noGrp="1"/>
+          </p:cNvSpPr>
+          <p:nvPr>
+            <p:ph type="body" idx="1"/>
+          </p:nvPr>
+        </p:nvSpPr>
+        <p:spPr/>
+        <p:txBody>
+          <a:bodyPr/>
+          <a:lstStyle/>
+          <a:p>
+            <a:pPr lvl="1">
+              <a:lnSpc>
+                <a:spcPct val="90000"/>
+              </a:lnSpc>
+            </a:pPr>
+            <a:r>
+              <a:rPr lang="en-IE" altLang="en-US" sz="1200" dirty="0">
+                <a:ea typeface="굴림" charset="-127"/>
+              </a:rPr>
+              <a:t>WLM systems developers and controllers/processors must ensure (from the C-level downwards) that established, continuous, and evolving policies are in place to keep Watch Lists up-to-date.</a:t>
+            </a:r>
+          </a:p>
+          <a:p>
+            <a:pPr lvl="1">
+              <a:lnSpc>
+                <a:spcPct val="90000"/>
+              </a:lnSpc>
+            </a:pPr>
+            <a:endParaRPr lang="en-IE" altLang="en-US" sz="1200" dirty="0">
+              <a:ea typeface="굴림" charset="-127"/>
+            </a:endParaRPr>
+          </a:p>
+          <a:p>
+            <a:pPr lvl="1">
+              <a:lnSpc>
+                <a:spcPct val="90000"/>
+              </a:lnSpc>
+            </a:pPr>
+            <a:r>
+              <a:rPr lang="en-IE" altLang="en-US" sz="1200" dirty="0">
+                <a:ea typeface="굴림" charset="-127"/>
+              </a:rPr>
+              <a:t>FI management must be able to show that redundant, or obsolete, copies have been be deleted/destroyed. </a:t>
+            </a:r>
+          </a:p>
+          <a:p>
+            <a:pPr lvl="1">
+              <a:lnSpc>
+                <a:spcPct val="90000"/>
+              </a:lnSpc>
+            </a:pPr>
+            <a:endParaRPr lang="en-IE" altLang="en-US" sz="1200" dirty="0">
+              <a:ea typeface="굴림" charset="-127"/>
+            </a:endParaRPr>
+          </a:p>
+          <a:p>
+            <a:pPr lvl="1">
+              <a:lnSpc>
+                <a:spcPct val="90000"/>
+              </a:lnSpc>
+            </a:pPr>
+            <a:r>
+              <a:rPr lang="en-IE" altLang="en-US" sz="1200" dirty="0">
+                <a:ea typeface="굴림" charset="-127"/>
+              </a:rPr>
+              <a:t>WLM systems must be managed so that new Watch Lists (or deltas to existing Watch Lists) are acquired and deployed into a live production environment as soon as possible.</a:t>
+            </a:r>
+          </a:p>
+          <a:p>
+            <a:pPr lvl="1">
+              <a:lnSpc>
+                <a:spcPct val="90000"/>
+              </a:lnSpc>
+            </a:pPr>
+            <a:endParaRPr lang="en-IE" altLang="en-US" sz="1200" dirty="0">
+              <a:ea typeface="굴림" charset="-127"/>
+            </a:endParaRPr>
+          </a:p>
+          <a:p>
+            <a:pPr lvl="1">
+              <a:lnSpc>
+                <a:spcPct val="90000"/>
+              </a:lnSpc>
+            </a:pPr>
+            <a:r>
+              <a:rPr lang="en-IE" altLang="en-US" sz="1200" dirty="0">
+                <a:ea typeface="굴림" charset="-127"/>
+              </a:rPr>
+              <a:t>Every FI must have named staff that can interpret why internal (or vendor) WLM software flagged an individual or transaction against a given </a:t>
+            </a:r>
+            <a:r>
+              <a:rPr lang="en-IE" altLang="en-US" sz="1200" dirty="0" err="1">
+                <a:ea typeface="굴림" charset="-127"/>
+              </a:rPr>
+              <a:t>WatchList</a:t>
+            </a:r>
+            <a:r>
+              <a:rPr lang="en-IE" altLang="en-US" sz="1200" dirty="0">
+                <a:ea typeface="굴림" charset="-127"/>
+              </a:rPr>
+              <a:t>.</a:t>
+            </a:r>
+          </a:p>
+          <a:p>
+            <a:pPr lvl="1">
+              <a:lnSpc>
+                <a:spcPct val="90000"/>
+              </a:lnSpc>
+            </a:pPr>
+            <a:endParaRPr lang="en-IE" altLang="en-US" sz="1200" dirty="0">
+              <a:ea typeface="굴림" charset="-127"/>
+            </a:endParaRPr>
+          </a:p>
+          <a:p>
+            <a:pPr lvl="1">
+              <a:lnSpc>
+                <a:spcPct val="90000"/>
+              </a:lnSpc>
+            </a:pPr>
+            <a:r>
+              <a:rPr lang="en-IE" altLang="en-US" sz="1200" dirty="0">
+                <a:ea typeface="굴림" charset="-127"/>
+              </a:rPr>
+              <a:t>A named individual, or group of individuals, within an FI must hold responsibility for the reporting of suspicion activity to the relevant regulatory authority. This group must also be aware of the penalty for the FI for failure, by inaction or inability, to comply with these regulations.</a:t>
+            </a:r>
+          </a:p>
+          <a:p>
+            <a:endParaRPr lang="en-IE" dirty="0"/>
+          </a:p>
+        </p:txBody>
+      </p:sp>
+      <p:sp>
+        <p:nvSpPr>
+          <p:cNvPr id="4" name="Slide Number Placeholder 3"/>
+          <p:cNvSpPr>
+            <a:spLocks noGrp="1"/>
+          </p:cNvSpPr>
+          <p:nvPr>
+            <p:ph type="sldNum" sz="quarter" idx="5"/>
+          </p:nvPr>
+        </p:nvSpPr>
+        <p:spPr/>
+        <p:txBody>
+          <a:bodyPr/>
+          <a:lstStyle/>
+          <a:p>
+            <a:fld id="{1251B4CB-6C3D-41AB-9B53-EA6E6087EAE6}" type="slidenum">
+              <a:rPr lang="ru-RU" altLang="en-US" smtClean="0"/>
+              <a:pPr/>
+              <a:t>7</a:t>
+            </a:fld>
+            <a:endParaRPr lang="ru-RU" altLang="en-US"/>
+          </a:p>
+        </p:txBody>
+      </p:sp>
+    </p:spTree>
+    <p:extLst>
+      <p:ext uri="{BB962C8B-B14F-4D97-AF65-F5344CB8AC3E}">
+        <p14:creationId xmlns:p14="http://schemas.microsoft.com/office/powerpoint/2010/main" val="2893183828"/>
+      </p:ext>
+    </p:extLst>
+  </p:cSld>
+  <p:clrMapOvr>
+    <a:masterClrMapping/>
+  </p:clrMapOvr>
+</p:notes>
+</file>
+
+<file path=ppt/notesSlides/notesSlide5.xml><?xml version="1.0" encoding="utf-8"?>
+<p:notes xmlns:a="http://schemas.openxmlformats.org/drawingml/2006/main" xmlns:r="http://schemas.openxmlformats.org/officeDocument/2006/relationships" xmlns:p="http://schemas.openxmlformats.org/presentationml/2006/main">
+  <p:cSld>
+    <p:spTree>
+      <p:nvGrpSpPr>
+        <p:cNvPr id="1" name=""/>
+        <p:cNvGrpSpPr/>
+        <p:nvPr/>
+      </p:nvGrpSpPr>
+      <p:grpSpPr>
+        <a:xfrm>
+          <a:off x="0" y="0"/>
+          <a:ext cx="0" cy="0"/>
+          <a:chOff x="0" y="0"/>
+          <a:chExt cx="0" cy="0"/>
+        </a:xfrm>
+      </p:grpSpPr>
+      <p:sp>
+        <p:nvSpPr>
+          <p:cNvPr id="2" name="Slide Image Placeholder 1"/>
+          <p:cNvSpPr>
+            <a:spLocks noGrp="1" noRot="1" noChangeAspect="1"/>
+          </p:cNvSpPr>
+          <p:nvPr>
+            <p:ph type="sldImg"/>
+          </p:nvPr>
+        </p:nvSpPr>
+        <p:spPr/>
+      </p:sp>
+      <p:sp>
+        <p:nvSpPr>
+          <p:cNvPr id="3" name="Notes Placeholder 2"/>
+          <p:cNvSpPr>
+            <a:spLocks noGrp="1"/>
+          </p:cNvSpPr>
+          <p:nvPr>
+            <p:ph type="body" idx="1"/>
+          </p:nvPr>
+        </p:nvSpPr>
+        <p:spPr/>
+        <p:txBody>
+          <a:bodyPr/>
+          <a:lstStyle/>
+          <a:p>
+            <a:pPr lvl="1">
+              <a:lnSpc>
+                <a:spcPct val="90000"/>
+              </a:lnSpc>
+            </a:pPr>
+            <a:r>
+              <a:rPr lang="en-IE" altLang="en-US" sz="1200" dirty="0">
+                <a:ea typeface="굴림" charset="-127"/>
+              </a:rPr>
+              <a:t>Access to Watch Lists must be restricted to those with appropriate clearance. This data restriction is a challenge for software vendors of WLM systems. In the development process ‘real’ data is often a key ingredient in building effective name matching algorithms and alert scoring processes.</a:t>
+            </a:r>
+          </a:p>
+          <a:p>
+            <a:pPr lvl="1">
+              <a:lnSpc>
+                <a:spcPct val="90000"/>
+              </a:lnSpc>
+            </a:pPr>
+            <a:endParaRPr lang="en-IE" altLang="en-US" sz="1200" dirty="0">
+              <a:ea typeface="굴림" charset="-127"/>
+            </a:endParaRPr>
+          </a:p>
+          <a:p>
+            <a:pPr lvl="1">
+              <a:lnSpc>
+                <a:spcPct val="90000"/>
+              </a:lnSpc>
+            </a:pPr>
+            <a:r>
+              <a:rPr lang="en-IE" altLang="en-US" sz="1200" dirty="0">
+                <a:ea typeface="굴림" charset="-127"/>
+              </a:rPr>
+              <a:t>Watch List data must not be used outside of the intended purpose of preventing money laundering or the funding of illegal activity (a Use Limitation Principle applies). For example, it cannot be used for internal customer ‘profiling’.</a:t>
+            </a:r>
+          </a:p>
+          <a:p>
+            <a:pPr lvl="1">
+              <a:lnSpc>
+                <a:spcPct val="90000"/>
+              </a:lnSpc>
+            </a:pPr>
+            <a:endParaRPr lang="en-IE" altLang="en-US" sz="1200" dirty="0">
+              <a:ea typeface="굴림" charset="-127"/>
+            </a:endParaRPr>
+          </a:p>
+          <a:p>
+            <a:pPr lvl="1">
+              <a:lnSpc>
+                <a:spcPct val="90000"/>
+              </a:lnSpc>
+            </a:pPr>
+            <a:r>
+              <a:rPr lang="en-IE" altLang="en-US" sz="1200" dirty="0">
+                <a:ea typeface="굴림" charset="-127"/>
+              </a:rPr>
+              <a:t>GDPR Article 17 contains legislation on the ‘</a:t>
+            </a:r>
+            <a:r>
+              <a:rPr lang="en-IE" altLang="en-US" sz="1200" i="1" dirty="0">
+                <a:ea typeface="굴림" charset="-127"/>
+              </a:rPr>
+              <a:t>right to be forgotten</a:t>
+            </a:r>
+            <a:r>
+              <a:rPr lang="en-IE" altLang="en-US" sz="1200" dirty="0">
+                <a:ea typeface="굴림" charset="-127"/>
+              </a:rPr>
+              <a:t>’. However, the EU’s 4AMLD takes precedence and an FI must record history of suspected suspicious activity for five years. Also, GDPR allows data to be preserved to comply with a ‘legal ruling’, which make it difficult for an individual to be removed from an EU based Watch List.</a:t>
+            </a:r>
+            <a:endParaRPr lang="uk-UA" altLang="en-US" sz="1200" dirty="0"/>
+          </a:p>
+          <a:p>
+            <a:endParaRPr lang="en-IE" dirty="0"/>
+          </a:p>
+        </p:txBody>
+      </p:sp>
+      <p:sp>
+        <p:nvSpPr>
+          <p:cNvPr id="4" name="Slide Number Placeholder 3"/>
+          <p:cNvSpPr>
+            <a:spLocks noGrp="1"/>
+          </p:cNvSpPr>
+          <p:nvPr>
+            <p:ph type="sldNum" sz="quarter" idx="5"/>
+          </p:nvPr>
+        </p:nvSpPr>
+        <p:spPr/>
+        <p:txBody>
+          <a:bodyPr/>
+          <a:lstStyle/>
+          <a:p>
+            <a:fld id="{1251B4CB-6C3D-41AB-9B53-EA6E6087EAE6}" type="slidenum">
+              <a:rPr lang="ru-RU" altLang="en-US" smtClean="0"/>
+              <a:pPr/>
+              <a:t>8</a:t>
+            </a:fld>
+            <a:endParaRPr lang="ru-RU" altLang="en-US"/>
+          </a:p>
+        </p:txBody>
+      </p:sp>
+    </p:spTree>
+    <p:extLst>
+      <p:ext uri="{BB962C8B-B14F-4D97-AF65-F5344CB8AC3E}">
+        <p14:creationId xmlns:p14="http://schemas.microsoft.com/office/powerpoint/2010/main" val="2816747122"/>
+      </p:ext>
+    </p:extLst>
+  </p:cSld>
+  <p:clrMapOvr>
+    <a:masterClrMapping/>
+  </p:clrMapOvr>
+</p:notes>
 </file>
 
 <file path=ppt/slideLayouts/slideLayout1.xml><?xml version="1.0" encoding="utf-8"?>
@@ -6235,7 +7138,7 @@
             </a:br>
             <a:r>
               <a:rPr lang="en-GB" sz="2000" b="1" dirty="0"/>
-              <a:t>Ethical concerns with Anti-Money Laundering systems</a:t>
+              <a:t>Ethical Data Concerns with Anti-Money Laundering Systems</a:t>
             </a:r>
             <a:endParaRPr lang="en-US" altLang="en-US" sz="2000" dirty="0"/>
           </a:p>
@@ -6591,7 +7494,26 @@
               <a:rPr lang="en-IE" altLang="en-US" sz="1800" dirty="0">
                 <a:ea typeface="굴림" charset="-127"/>
               </a:rPr>
-              <a:t>The BAE D.I. NetReveal (NR) AML/WLM solution is one of the key vendor offering in this Compliance space for FIs.</a:t>
+              <a:t>The BAE Systems D.I. NetReveal (NR) AML/WLM solution is one of the key vendor offering in this Compliance space for FIs. </a:t>
+            </a:r>
+            <a:r>
+              <a:rPr lang="en-IE" altLang="en-US" sz="1400" i="1" dirty="0">
+                <a:ea typeface="굴림" charset="-127"/>
+              </a:rPr>
+              <a:t>(</a:t>
+            </a:r>
+            <a:r>
+              <a:rPr lang="en-IE" altLang="en-US" sz="1400" i="1" dirty="0">
+                <a:ea typeface="굴림" charset="-127"/>
+                <a:hlinkClick r:id="rId2"/>
+              </a:rPr>
+              <a:t>https://www.baesystems.com/en-financialservices/solutions/banking-compliance</a:t>
+            </a:r>
+            <a:r>
+              <a:rPr lang="en-IE" altLang="en-US" sz="1400" i="1" dirty="0">
+                <a:ea typeface="굴림" charset="-127"/>
+              </a:rPr>
+              <a:t>)</a:t>
             </a:r>
           </a:p>
           <a:p>
@@ -6715,7 +7637,7 @@
           <p:nvPr/>
         </p:nvPicPr>
         <p:blipFill>
-          <a:blip r:embed="rId2">
+          <a:blip r:embed="rId3">
             <a:extLst>
               <a:ext uri="{28A0092B-C50C-407E-A947-70E740481C1C}">
                 <a14:useLocalDpi xmlns:a14="http://schemas.microsoft.com/office/drawing/2010/main" val="0"/>
@@ -7396,7 +8318,7 @@
                               <p:par>
                                 <p:cTn id="5" presetID="10" presetClass="entr" presetSubtype="0" fill="hold" nodeType="afterEffect">
                                   <p:stCondLst>
-                                    <p:cond delay="0"/>
+                                    <p:cond delay="250"/>
                                   </p:stCondLst>
                                   <p:childTnLst>
                                     <p:set>
@@ -7419,7 +8341,7 @@
                                     </p:set>
                                     <p:animEffect transition="in" filter="fade">
                                       <p:cBhvr>
-                                        <p:cTn id="7" dur="500"/>
+                                        <p:cTn id="7" dur="750"/>
                                         <p:tgtEl>
                                           <p:spTgt spid="8"/>
                                         </p:tgtEl>
@@ -8546,7 +9468,7 @@
             </a:pPr>
             <a:r>
               <a:rPr lang="en-GB" sz="1600" dirty="0"/>
-              <a:t>GDPR legislation requires that access to PII is restricted to only those with a legitimate need to process the data. It is the subject of current debate that this may exclude software engineers and testers who develop NR WLM software. This is an industry wide challenge, for which a definitive ruling has not yet been made.</a:t>
+              <a:t>GDPR legislation requires that access to PII is restricted to only those with a legitimate need to process the data. It is the subject of current debate that this may exclude software engineers and testers who develop NR WLM software. This is an EU industry wide challenge, for which a definitive ruling has not yet been made.</a:t>
             </a:r>
           </a:p>
           <a:p>
@@ -8993,7 +9915,7 @@
               <a:rPr lang="en-GB" sz="1600" dirty="0">
                 <a:ea typeface="굴림" charset="-127"/>
               </a:rPr>
-              <a:t>Expanding NR deployments into new territories requires new product investment to ensure regional name matching requirements are met. Regulators will not except that WLM algorithms fail to capture criminal activity because it was too expensive to track names in Cyrillic text (for example). The NR WLM engine has libraries to parse names with characters in Mandarin, Korean, Thai, etc. </a:t>
+              <a:t>Expanding NR deployments into new territories requires new product investment to ensure regional name matching requirements are met. For example, regulators will not accept that WLM algorithms fail to capture criminal activity because it was ‘too expensive’ to track names in Cyrillic text. The NR WLM engine has libraries to parse names with characters in Mandarin, Korean, Thai, etc. </a:t>
             </a:r>
             <a:endParaRPr lang="en-GB" sz="1600" dirty="0"/>
           </a:p>
@@ -9402,7 +10324,7 @@
               <a:rPr lang="en-GB" altLang="en-US" sz="1800" dirty="0">
                 <a:ea typeface="굴림" charset="-127"/>
               </a:rPr>
-              <a:t>Name matching technologies within NR are becoming increasingly sophisticated. New product innovations include the deployment of ML models to refine WLM scores.</a:t>
+              <a:t>Name matching technologies within NR are becoming increasingly sophisticated. New product innovations include the deployment of ML techniques to refine WLM scores.</a:t>
             </a:r>
           </a:p>
           <a:p>
@@ -11673,7 +12595,7 @@
           </p:nvPr>
         </p:nvPicPr>
         <p:blipFill>
-          <a:blip r:embed="rId2">
+          <a:blip r:embed="rId3">
             <a:extLst>
               <a:ext uri="{28A0092B-C50C-407E-A947-70E740481C1C}">
                 <a14:useLocalDpi xmlns:a14="http://schemas.microsoft.com/office/drawing/2010/main" val="0"/>
@@ -11706,7 +12628,7 @@
           <p:nvPr/>
         </p:nvPicPr>
         <p:blipFill>
-          <a:blip r:embed="rId3">
+          <a:blip r:embed="rId4">
             <a:extLst>
               <a:ext uri="{28A0092B-C50C-407E-A947-70E740481C1C}">
                 <a14:useLocalDpi xmlns:a14="http://schemas.microsoft.com/office/drawing/2010/main" val="0"/>
@@ -12031,7 +12953,7 @@
               <a:rPr lang="en-IE" altLang="en-US" sz="1800" dirty="0">
                 <a:ea typeface="굴림" charset="-127"/>
               </a:rPr>
-              <a:t>Taking GDPR regulations as an example, inclusion of an individual on a Watch List is, by definition, the recording of special category data. </a:t>
+              <a:t>Taking GDPR regulations as an example, inclusion of an identified individual on a Watch List is, by definition, the recording of special category data. </a:t>
             </a:r>
           </a:p>
           <a:p>
@@ -12081,7 +13003,7 @@
               <a:rPr lang="en-IE" altLang="en-US" sz="1800" dirty="0">
                 <a:ea typeface="굴림" charset="-127"/>
               </a:rPr>
-              <a:t>However, this generates challenges, such as those described in the following set of slides.</a:t>
+              <a:t>However, this generates data management challenges, such as those described in the following set of slides.</a:t>
             </a:r>
           </a:p>
           <a:p>
@@ -12106,7 +13028,7 @@
               <a:rPr lang="en-IE" altLang="en-US" sz="1800" dirty="0">
                 <a:ea typeface="굴림" charset="-127"/>
               </a:rPr>
-              <a:t>One might argue that the restrictions imposed by AML/WLM processes and systems are intended to regulate the global financial work with a deontological approach that seeks to apply a fair and ethical policy on business and consumers alike.</a:t>
+              <a:t>One might argue that the restrictions imposed by AML/WLM processes and systems are intended to regulate global financial markets with a deontological approach that seeks to apply a fair and ethical policy on all businesses and consumers.</a:t>
             </a:r>
           </a:p>
           <a:p>
@@ -12609,23 +13531,84 @@
             </a:r>
           </a:p>
           <a:p>
-            <a:pPr>
-              <a:lnSpc>
-                <a:spcPct val="90000"/>
-              </a:lnSpc>
-            </a:pPr>
-            <a:endParaRPr lang="en-IE" altLang="en-US" sz="1800" dirty="0">
-              <a:ea typeface="굴림" charset="-127"/>
+            <a:pPr marL="0" indent="0">
+              <a:lnSpc>
+                <a:spcPct val="90000"/>
+              </a:lnSpc>
+              <a:buNone/>
+            </a:pPr>
+            <a:endParaRPr lang="en-US" altLang="en-US" sz="1800" dirty="0"/>
+          </a:p>
+        </p:txBody>
+      </p:sp>
+      <p:sp>
+        <p:nvSpPr>
+          <p:cNvPr id="2" name="TextBox 1">
+            <a:extLst>
+              <a:ext uri="{FF2B5EF4-FFF2-40B4-BE49-F238E27FC236}">
+                <a16:creationId xmlns:a16="http://schemas.microsoft.com/office/drawing/2014/main" id="{F489C97E-BD7A-4067-B61D-DF787757D1C8}"/>
+              </a:ext>
+            </a:extLst>
+          </p:cNvPr>
+          <p:cNvSpPr txBox="1"/>
+          <p:nvPr/>
+        </p:nvSpPr>
+        <p:spPr>
+          <a:xfrm>
+            <a:off x="1763688" y="6067859"/>
+            <a:ext cx="7704856" cy="1249573"/>
+          </a:xfrm>
+          <a:prstGeom prst="rect">
+            <a:avLst/>
+          </a:prstGeom>
+          <a:noFill/>
+        </p:spPr>
+        <p:txBody>
+          <a:bodyPr wrap="square" rtlCol="0">
+            <a:spAutoFit/>
+          </a:bodyPr>
+          <a:lstStyle/>
+          <a:p>
+            <a:pPr marL="0" indent="0">
+              <a:lnSpc>
+                <a:spcPct val="90000"/>
+              </a:lnSpc>
+              <a:buNone/>
+            </a:pPr>
+            <a:r>
+              <a:rPr lang="en-IE" altLang="en-US" sz="1600" dirty="0">
+                <a:solidFill>
+                  <a:schemeClr val="tx1"/>
+                </a:solidFill>
+                <a:latin typeface="+mn-lt"/>
+                <a:ea typeface="굴림" charset="-127"/>
+              </a:rPr>
+              <a:t>This report focuses on the processing of Watch List data. The ethical and moral issues </a:t>
+            </a:r>
+            <a:r>
+              <a:rPr lang="en-IE" altLang="en-US" sz="1600" dirty="0">
+                <a:solidFill>
+                  <a:schemeClr val="tx1"/>
+                </a:solidFill>
+                <a:latin typeface="+mn-lt"/>
+              </a:rPr>
+              <a:t>around the processes of </a:t>
+            </a:r>
+            <a:r>
+              <a:rPr lang="en-IE" altLang="en-US" sz="1600" dirty="0">
+                <a:solidFill>
+                  <a:schemeClr val="tx1"/>
+                </a:solidFill>
+                <a:latin typeface="+mn-lt"/>
+                <a:ea typeface="굴림" charset="-127"/>
+              </a:rPr>
+              <a:t>being added or removed from such lists is only briefly considered.</a:t>
+            </a:r>
+          </a:p>
+          <a:p>
+            <a:endParaRPr lang="en-IE" dirty="0">
+              <a:latin typeface="+mn-lt"/>
             </a:endParaRPr>
-          </a:p>
-          <a:p>
-            <a:pPr marL="0" indent="0">
-              <a:lnSpc>
-                <a:spcPct val="90000"/>
-              </a:lnSpc>
-              <a:buNone/>
-            </a:pPr>
-            <a:endParaRPr lang="en-US" altLang="en-US" sz="1800" dirty="0"/>
           </a:p>
         </p:txBody>
       </p:sp>
@@ -12642,6 +13625,92 @@
   <p:transition spd="slow">
     <p:fade/>
   </p:transition>
+  <p:timing>
+    <p:tnLst>
+      <p:par>
+        <p:cTn id="1" dur="indefinite" restart="never" nodeType="tmRoot">
+          <p:childTnLst>
+            <p:seq concurrent="1" nextAc="seek">
+              <p:cTn id="2" dur="indefinite" nodeType="mainSeq">
+                <p:childTnLst>
+                  <p:par>
+                    <p:cTn id="3" fill="hold">
+                      <p:stCondLst>
+                        <p:cond delay="indefinite"/>
+                      </p:stCondLst>
+                      <p:childTnLst>
+                        <p:par>
+                          <p:cTn id="4" fill="hold">
+                            <p:stCondLst>
+                              <p:cond delay="0"/>
+                            </p:stCondLst>
+                            <p:childTnLst>
+                              <p:par>
+                                <p:cTn id="5" presetID="10" presetClass="entr" presetSubtype="0" fill="hold" grpId="0" nodeType="clickEffect">
+                                  <p:stCondLst>
+                                    <p:cond delay="0"/>
+                                  </p:stCondLst>
+                                  <p:childTnLst>
+                                    <p:set>
+                                      <p:cBhvr>
+                                        <p:cTn id="6" dur="1" fill="hold">
+                                          <p:stCondLst>
+                                            <p:cond delay="0"/>
+                                          </p:stCondLst>
+                                        </p:cTn>
+                                        <p:tgtEl>
+                                          <p:spTgt spid="2"/>
+                                        </p:tgtEl>
+                                        <p:attrNameLst>
+                                          <p:attrName>style.visibility</p:attrName>
+                                        </p:attrNameLst>
+                                      </p:cBhvr>
+                                      <p:to>
+                                        <p:strVal val="visible"/>
+                                      </p:to>
+                                    </p:set>
+                                    <p:animEffect transition="in" filter="fade">
+                                      <p:cBhvr>
+                                        <p:cTn id="7" dur="750"/>
+                                        <p:tgtEl>
+                                          <p:spTgt spid="2"/>
+                                        </p:tgtEl>
+                                      </p:cBhvr>
+                                    </p:animEffect>
+                                  </p:childTnLst>
+                                </p:cTn>
+                              </p:par>
+                            </p:childTnLst>
+                          </p:cTn>
+                        </p:par>
+                      </p:childTnLst>
+                    </p:cTn>
+                  </p:par>
+                </p:childTnLst>
+              </p:cTn>
+              <p:prevCondLst>
+                <p:cond evt="onPrev" delay="0">
+                  <p:tgtEl>
+                    <p:sldTgt/>
+                  </p:tgtEl>
+                </p:cond>
+              </p:prevCondLst>
+              <p:nextCondLst>
+                <p:cond evt="onNext" delay="0">
+                  <p:tgtEl>
+                    <p:sldTgt/>
+                  </p:tgtEl>
+                </p:cond>
+              </p:nextCondLst>
+            </p:seq>
+          </p:childTnLst>
+        </p:cTn>
+      </p:par>
+    </p:tnLst>
+    <p:bldLst>
+      <p:bldP spid="2" grpId="0"/>
+    </p:bldLst>
+  </p:timing>
 </p:sld>
 </file>
 
@@ -13622,7 +14691,7 @@
               </a:lnSpc>
             </a:pPr>
             <a:r>
-              <a:rPr lang="en-US" altLang="en-US" sz="3300" kern="1200">
+              <a:rPr lang="en-US" altLang="en-US" sz="3300" kern="1200" dirty="0">
                 <a:solidFill>
                   <a:srgbClr val="FFFFFF"/>
                 </a:solidFill>
@@ -13831,7 +14900,7 @@
                               <p:par>
                                 <p:cTn id="5" presetID="10" presetClass="entr" presetSubtype="0" fill="hold" grpId="0" nodeType="withEffect">
                                   <p:stCondLst>
-                                    <p:cond delay="1000"/>
+                                    <p:cond delay="500"/>
                                   </p:stCondLst>
                                   <p:iterate type="lt">
                                     <p:tmPct val="10000"/>
@@ -13857,7 +14926,7 @@
                                     </p:set>
                                     <p:animEffect transition="in" filter="fade">
                                       <p:cBhvr>
-                                        <p:cTn id="7" dur="400"/>
+                                        <p:cTn id="7" dur="500"/>
                                         <p:tgtEl>
                                           <p:spTgt spid="195586"/>
                                         </p:tgtEl>
